--- a/zdocs/resources/azure-parts-list.pptx
+++ b/zdocs/resources/azure-parts-list.pptx
@@ -8,6 +8,7 @@
     <p:sldId id="256" r:id="rId2"/>
     <p:sldId id="257" r:id="rId3"/>
     <p:sldId id="258" r:id="rId4"/>
+    <p:sldId id="259" r:id="rId5"/>
   </p:sldIdLst>
   <p:sldSz cx="12192000" cy="6858000"/>
   <p:notesSz cx="6858000" cy="9144000"/>
@@ -263,7 +264,7 @@
           <a:p>
             <a:fld id="{276B97E7-2C5B-4552-93B5-17D239F5E9CC}" type="datetimeFigureOut">
               <a:rPr lang="en-AU" smtClean="0"/>
-              <a:t>17/02/2020</a:t>
+              <a:t>28/04/2020</a:t>
             </a:fld>
             <a:endParaRPr lang="en-AU"/>
           </a:p>
@@ -463,7 +464,7 @@
           <a:p>
             <a:fld id="{276B97E7-2C5B-4552-93B5-17D239F5E9CC}" type="datetimeFigureOut">
               <a:rPr lang="en-AU" smtClean="0"/>
-              <a:t>17/02/2020</a:t>
+              <a:t>28/04/2020</a:t>
             </a:fld>
             <a:endParaRPr lang="en-AU"/>
           </a:p>
@@ -673,7 +674,7 @@
           <a:p>
             <a:fld id="{276B97E7-2C5B-4552-93B5-17D239F5E9CC}" type="datetimeFigureOut">
               <a:rPr lang="en-AU" smtClean="0"/>
-              <a:t>17/02/2020</a:t>
+              <a:t>28/04/2020</a:t>
             </a:fld>
             <a:endParaRPr lang="en-AU"/>
           </a:p>
@@ -873,7 +874,7 @@
           <a:p>
             <a:fld id="{276B97E7-2C5B-4552-93B5-17D239F5E9CC}" type="datetimeFigureOut">
               <a:rPr lang="en-AU" smtClean="0"/>
-              <a:t>17/02/2020</a:t>
+              <a:t>28/04/2020</a:t>
             </a:fld>
             <a:endParaRPr lang="en-AU"/>
           </a:p>
@@ -1149,7 +1150,7 @@
           <a:p>
             <a:fld id="{276B97E7-2C5B-4552-93B5-17D239F5E9CC}" type="datetimeFigureOut">
               <a:rPr lang="en-AU" smtClean="0"/>
-              <a:t>17/02/2020</a:t>
+              <a:t>28/04/2020</a:t>
             </a:fld>
             <a:endParaRPr lang="en-AU"/>
           </a:p>
@@ -1417,7 +1418,7 @@
           <a:p>
             <a:fld id="{276B97E7-2C5B-4552-93B5-17D239F5E9CC}" type="datetimeFigureOut">
               <a:rPr lang="en-AU" smtClean="0"/>
-              <a:t>17/02/2020</a:t>
+              <a:t>28/04/2020</a:t>
             </a:fld>
             <a:endParaRPr lang="en-AU"/>
           </a:p>
@@ -1832,7 +1833,7 @@
           <a:p>
             <a:fld id="{276B97E7-2C5B-4552-93B5-17D239F5E9CC}" type="datetimeFigureOut">
               <a:rPr lang="en-AU" smtClean="0"/>
-              <a:t>17/02/2020</a:t>
+              <a:t>28/04/2020</a:t>
             </a:fld>
             <a:endParaRPr lang="en-AU"/>
           </a:p>
@@ -1974,7 +1975,7 @@
           <a:p>
             <a:fld id="{276B97E7-2C5B-4552-93B5-17D239F5E9CC}" type="datetimeFigureOut">
               <a:rPr lang="en-AU" smtClean="0"/>
-              <a:t>17/02/2020</a:t>
+              <a:t>28/04/2020</a:t>
             </a:fld>
             <a:endParaRPr lang="en-AU"/>
           </a:p>
@@ -2087,7 +2088,7 @@
           <a:p>
             <a:fld id="{276B97E7-2C5B-4552-93B5-17D239F5E9CC}" type="datetimeFigureOut">
               <a:rPr lang="en-AU" smtClean="0"/>
-              <a:t>17/02/2020</a:t>
+              <a:t>28/04/2020</a:t>
             </a:fld>
             <a:endParaRPr lang="en-AU"/>
           </a:p>
@@ -2400,7 +2401,7 @@
           <a:p>
             <a:fld id="{276B97E7-2C5B-4552-93B5-17D239F5E9CC}" type="datetimeFigureOut">
               <a:rPr lang="en-AU" smtClean="0"/>
-              <a:t>17/02/2020</a:t>
+              <a:t>28/04/2020</a:t>
             </a:fld>
             <a:endParaRPr lang="en-AU"/>
           </a:p>
@@ -2689,7 +2690,7 @@
           <a:p>
             <a:fld id="{276B97E7-2C5B-4552-93B5-17D239F5E9CC}" type="datetimeFigureOut">
               <a:rPr lang="en-AU" smtClean="0"/>
-              <a:t>17/02/2020</a:t>
+              <a:t>28/04/2020</a:t>
             </a:fld>
             <a:endParaRPr lang="en-AU"/>
           </a:p>
@@ -2932,7 +2933,7 @@
           <a:p>
             <a:fld id="{276B97E7-2C5B-4552-93B5-17D239F5E9CC}" type="datetimeFigureOut">
               <a:rPr lang="en-AU" smtClean="0"/>
-              <a:t>17/02/2020</a:t>
+              <a:t>28/04/2020</a:t>
             </a:fld>
             <a:endParaRPr lang="en-AU"/>
           </a:p>
@@ -4082,6 +4083,108 @@
 </p:sld>
 </file>
 
+<file path=ppt/slides/slide4.xml><?xml version="1.0" encoding="utf-8"?>
+<p:sld xmlns:a="http://schemas.openxmlformats.org/drawingml/2006/main" xmlns:r="http://schemas.openxmlformats.org/officeDocument/2006/relationships" xmlns:p="http://schemas.openxmlformats.org/presentationml/2006/main">
+  <p:cSld>
+    <p:spTree>
+      <p:nvGrpSpPr>
+        <p:cNvPr id="1" name=""/>
+        <p:cNvGrpSpPr/>
+        <p:nvPr/>
+      </p:nvGrpSpPr>
+      <p:grpSpPr>
+        <a:xfrm>
+          <a:off x="0" y="0"/>
+          <a:ext cx="0" cy="0"/>
+          <a:chOff x="0" y="0"/>
+          <a:chExt cx="0" cy="0"/>
+        </a:xfrm>
+      </p:grpSpPr>
+      <p:pic>
+        <p:nvPicPr>
+          <p:cNvPr id="3" name="Picture 2" descr="A screenshot of a cell phone&#10;&#10;Description automatically generated">
+            <a:extLst>
+              <a:ext uri="{FF2B5EF4-FFF2-40B4-BE49-F238E27FC236}">
+                <a16:creationId xmlns:a16="http://schemas.microsoft.com/office/drawing/2014/main" id="{867879E5-311A-49C4-ABB2-A1C5F8E7EA44}"/>
+              </a:ext>
+            </a:extLst>
+          </p:cNvPr>
+          <p:cNvPicPr>
+            <a:picLocks noChangeAspect="1"/>
+          </p:cNvPicPr>
+          <p:nvPr/>
+        </p:nvPicPr>
+        <p:blipFill>
+          <a:blip r:embed="rId2">
+            <a:extLst>
+              <a:ext uri="{28A0092B-C50C-407E-A947-70E740481C1C}">
+                <a14:useLocalDpi xmlns:a14="http://schemas.microsoft.com/office/drawing/2010/main" val="0"/>
+              </a:ext>
+            </a:extLst>
+          </a:blip>
+          <a:stretch>
+            <a:fillRect/>
+          </a:stretch>
+        </p:blipFill>
+        <p:spPr>
+          <a:xfrm>
+            <a:off x="0" y="0"/>
+            <a:ext cx="12192000" cy="6879285"/>
+          </a:xfrm>
+          <a:prstGeom prst="rect">
+            <a:avLst/>
+          </a:prstGeom>
+        </p:spPr>
+      </p:pic>
+      <p:pic>
+        <p:nvPicPr>
+          <p:cNvPr id="5" name="Picture 4" descr="A picture containing drawing&#10;&#10;Description automatically generated">
+            <a:extLst>
+              <a:ext uri="{FF2B5EF4-FFF2-40B4-BE49-F238E27FC236}">
+                <a16:creationId xmlns:a16="http://schemas.microsoft.com/office/drawing/2014/main" id="{1160B076-16D8-4FD5-97D9-0E92CD2842AD}"/>
+              </a:ext>
+            </a:extLst>
+          </p:cNvPr>
+          <p:cNvPicPr>
+            <a:picLocks noChangeAspect="1"/>
+          </p:cNvPicPr>
+          <p:nvPr/>
+        </p:nvPicPr>
+        <p:blipFill>
+          <a:blip r:embed="rId3">
+            <a:extLst>
+              <a:ext uri="{28A0092B-C50C-407E-A947-70E740481C1C}">
+                <a14:useLocalDpi xmlns:a14="http://schemas.microsoft.com/office/drawing/2010/main" val="0"/>
+              </a:ext>
+            </a:extLst>
+          </a:blip>
+          <a:stretch>
+            <a:fillRect/>
+          </a:stretch>
+        </p:blipFill>
+        <p:spPr>
+          <a:xfrm>
+            <a:off x="7069455" y="2283142"/>
+            <a:ext cx="2291715" cy="2291715"/>
+          </a:xfrm>
+          <a:prstGeom prst="rect">
+            <a:avLst/>
+          </a:prstGeom>
+        </p:spPr>
+      </p:pic>
+    </p:spTree>
+    <p:extLst>
+      <p:ext uri="{BB962C8B-B14F-4D97-AF65-F5344CB8AC3E}">
+        <p14:creationId xmlns:p14="http://schemas.microsoft.com/office/powerpoint/2010/main" val="3375499981"/>
+      </p:ext>
+    </p:extLst>
+  </p:cSld>
+  <p:clrMapOvr>
+    <a:masterClrMapping/>
+  </p:clrMapOvr>
+</p:sld>
+</file>
+
 <file path=ppt/theme/theme1.xml><?xml version="1.0" encoding="utf-8"?>
 <a:theme xmlns:a="http://schemas.openxmlformats.org/drawingml/2006/main" name="Office Theme">
   <a:themeElements>
